--- a/ppt 16-9/1506.阿爸父.pptx
+++ b/ppt 16-9/1506.阿爸父.pptx
@@ -129,7 +129,7 @@
           <p:cNvPr id="2" name="标题 1">
             <a:extLst>
               <a:ext uri="{FF2B5EF4-FFF2-40B4-BE49-F238E27FC236}">
-                <a16:creationId xmlns:a16="http://schemas.microsoft.com/office/drawing/2014/main" id="{DE322EC7-0196-B918-616E-8FA6D81308D1}"/>
+                <a16:creationId xmlns:a16="http://schemas.microsoft.com/office/drawing/2014/main" id="{B2A30E75-54B3-7445-E464-CFC9FD9C36F6}"/>
               </a:ext>
             </a:extLst>
           </p:cNvPr>
@@ -166,7 +166,7 @@
           <p:cNvPr id="3" name="副标题 2">
             <a:extLst>
               <a:ext uri="{FF2B5EF4-FFF2-40B4-BE49-F238E27FC236}">
-                <a16:creationId xmlns:a16="http://schemas.microsoft.com/office/drawing/2014/main" id="{91075805-FEF0-019E-9848-4439A7D93FC2}"/>
+                <a16:creationId xmlns:a16="http://schemas.microsoft.com/office/drawing/2014/main" id="{D6A04878-BE9F-B61B-4A88-5EFDD201CCD1}"/>
               </a:ext>
             </a:extLst>
           </p:cNvPr>
@@ -236,7 +236,7 @@
           <p:cNvPr id="4" name="日期占位符 3">
             <a:extLst>
               <a:ext uri="{FF2B5EF4-FFF2-40B4-BE49-F238E27FC236}">
-                <a16:creationId xmlns:a16="http://schemas.microsoft.com/office/drawing/2014/main" id="{E23B4360-140D-6EAE-F636-BBCB4BE72E75}"/>
+                <a16:creationId xmlns:a16="http://schemas.microsoft.com/office/drawing/2014/main" id="{8139F26F-B8C1-21D5-788E-075E3D28D107}"/>
               </a:ext>
             </a:extLst>
           </p:cNvPr>
@@ -252,7 +252,7 @@
           <a:bodyPr/>
           <a:lstStyle/>
           <a:p>
-            <a:fld id="{CCEAA205-2D3A-4FDF-A99C-3C6EEA0A6D97}" type="datetimeFigureOut">
+            <a:fld id="{0D476AB0-F5C4-476D-B0E0-EAEA1AA5FE88}" type="datetimeFigureOut">
               <a:rPr lang="zh-CN" altLang="en-US" smtClean="0"/>
               <a:t>2024/3/10</a:t>
             </a:fld>
@@ -265,7 +265,7 @@
           <p:cNvPr id="5" name="页脚占位符 4">
             <a:extLst>
               <a:ext uri="{FF2B5EF4-FFF2-40B4-BE49-F238E27FC236}">
-                <a16:creationId xmlns:a16="http://schemas.microsoft.com/office/drawing/2014/main" id="{C5975C89-7C25-10B7-83A6-BE6FB404457D}"/>
+                <a16:creationId xmlns:a16="http://schemas.microsoft.com/office/drawing/2014/main" id="{7A6A4A4E-06DF-4835-C9DD-4F2EC0F69959}"/>
               </a:ext>
             </a:extLst>
           </p:cNvPr>
@@ -290,7 +290,7 @@
           <p:cNvPr id="6" name="灯片编号占位符 5">
             <a:extLst>
               <a:ext uri="{FF2B5EF4-FFF2-40B4-BE49-F238E27FC236}">
-                <a16:creationId xmlns:a16="http://schemas.microsoft.com/office/drawing/2014/main" id="{C5211E5A-5BC6-EF29-E0FE-19226352146E}"/>
+                <a16:creationId xmlns:a16="http://schemas.microsoft.com/office/drawing/2014/main" id="{B68463BE-D68A-F19C-7751-298E31FA1DD2}"/>
               </a:ext>
             </a:extLst>
           </p:cNvPr>
@@ -306,7 +306,7 @@
           <a:bodyPr/>
           <a:lstStyle/>
           <a:p>
-            <a:fld id="{680449AA-5F0A-4F0F-BE9B-4355B75D7638}" type="slidenum">
+            <a:fld id="{EEEC44F8-612B-4E87-82AD-B69481AE3D1F}" type="slidenum">
               <a:rPr lang="zh-CN" altLang="en-US" smtClean="0"/>
               <a:t>‹#›</a:t>
             </a:fld>
@@ -317,7 +317,7 @@
     </p:spTree>
     <p:extLst>
       <p:ext uri="{BB962C8B-B14F-4D97-AF65-F5344CB8AC3E}">
-        <p14:creationId xmlns:p14="http://schemas.microsoft.com/office/powerpoint/2010/main" val="4063277814"/>
+        <p14:creationId xmlns:p14="http://schemas.microsoft.com/office/powerpoint/2010/main" val="46878087"/>
       </p:ext>
     </p:extLst>
   </p:cSld>
@@ -349,7 +349,7 @@
           <p:cNvPr id="2" name="标题 1">
             <a:extLst>
               <a:ext uri="{FF2B5EF4-FFF2-40B4-BE49-F238E27FC236}">
-                <a16:creationId xmlns:a16="http://schemas.microsoft.com/office/drawing/2014/main" id="{D2A61D12-9612-1810-361B-1F214D787DB6}"/>
+                <a16:creationId xmlns:a16="http://schemas.microsoft.com/office/drawing/2014/main" id="{081B78D3-4A6D-2FE6-B5EE-15BC853C5162}"/>
               </a:ext>
             </a:extLst>
           </p:cNvPr>
@@ -377,7 +377,7 @@
           <p:cNvPr id="3" name="竖排文字占位符 2">
             <a:extLst>
               <a:ext uri="{FF2B5EF4-FFF2-40B4-BE49-F238E27FC236}">
-                <a16:creationId xmlns:a16="http://schemas.microsoft.com/office/drawing/2014/main" id="{7805FEC9-7415-4A84-6E9A-72CF0C30ACE1}"/>
+                <a16:creationId xmlns:a16="http://schemas.microsoft.com/office/drawing/2014/main" id="{938741E4-2833-F3E1-DBB2-27E5CAA91621}"/>
               </a:ext>
             </a:extLst>
           </p:cNvPr>
@@ -434,7 +434,7 @@
           <p:cNvPr id="4" name="日期占位符 3">
             <a:extLst>
               <a:ext uri="{FF2B5EF4-FFF2-40B4-BE49-F238E27FC236}">
-                <a16:creationId xmlns:a16="http://schemas.microsoft.com/office/drawing/2014/main" id="{ED88BB4F-5FA7-FC53-6799-1D504760F4F2}"/>
+                <a16:creationId xmlns:a16="http://schemas.microsoft.com/office/drawing/2014/main" id="{5B251BD7-11BF-1903-295C-6D6EB8839352}"/>
               </a:ext>
             </a:extLst>
           </p:cNvPr>
@@ -450,7 +450,7 @@
           <a:bodyPr/>
           <a:lstStyle/>
           <a:p>
-            <a:fld id="{CCEAA205-2D3A-4FDF-A99C-3C6EEA0A6D97}" type="datetimeFigureOut">
+            <a:fld id="{0D476AB0-F5C4-476D-B0E0-EAEA1AA5FE88}" type="datetimeFigureOut">
               <a:rPr lang="zh-CN" altLang="en-US" smtClean="0"/>
               <a:t>2024/3/10</a:t>
             </a:fld>
@@ -463,7 +463,7 @@
           <p:cNvPr id="5" name="页脚占位符 4">
             <a:extLst>
               <a:ext uri="{FF2B5EF4-FFF2-40B4-BE49-F238E27FC236}">
-                <a16:creationId xmlns:a16="http://schemas.microsoft.com/office/drawing/2014/main" id="{687E545B-EE53-6AAD-B439-817D67DF893E}"/>
+                <a16:creationId xmlns:a16="http://schemas.microsoft.com/office/drawing/2014/main" id="{5805DBF6-5F71-4E76-CB81-4B711557E16A}"/>
               </a:ext>
             </a:extLst>
           </p:cNvPr>
@@ -488,7 +488,7 @@
           <p:cNvPr id="6" name="灯片编号占位符 5">
             <a:extLst>
               <a:ext uri="{FF2B5EF4-FFF2-40B4-BE49-F238E27FC236}">
-                <a16:creationId xmlns:a16="http://schemas.microsoft.com/office/drawing/2014/main" id="{B5AFE74A-5616-51EA-5965-F6D3AE9DBC8B}"/>
+                <a16:creationId xmlns:a16="http://schemas.microsoft.com/office/drawing/2014/main" id="{CA07FA5F-0C53-258B-4A3A-1AEB0B3FFBDE}"/>
               </a:ext>
             </a:extLst>
           </p:cNvPr>
@@ -504,7 +504,7 @@
           <a:bodyPr/>
           <a:lstStyle/>
           <a:p>
-            <a:fld id="{680449AA-5F0A-4F0F-BE9B-4355B75D7638}" type="slidenum">
+            <a:fld id="{EEEC44F8-612B-4E87-82AD-B69481AE3D1F}" type="slidenum">
               <a:rPr lang="zh-CN" altLang="en-US" smtClean="0"/>
               <a:t>‹#›</a:t>
             </a:fld>
@@ -515,7 +515,7 @@
     </p:spTree>
     <p:extLst>
       <p:ext uri="{BB962C8B-B14F-4D97-AF65-F5344CB8AC3E}">
-        <p14:creationId xmlns:p14="http://schemas.microsoft.com/office/powerpoint/2010/main" val="4055559032"/>
+        <p14:creationId xmlns:p14="http://schemas.microsoft.com/office/powerpoint/2010/main" val="1225581589"/>
       </p:ext>
     </p:extLst>
   </p:cSld>
@@ -547,7 +547,7 @@
           <p:cNvPr id="2" name="竖排标题 1">
             <a:extLst>
               <a:ext uri="{FF2B5EF4-FFF2-40B4-BE49-F238E27FC236}">
-                <a16:creationId xmlns:a16="http://schemas.microsoft.com/office/drawing/2014/main" id="{94CFBB0E-0ED8-58A5-67B6-6F30FBC407CA}"/>
+                <a16:creationId xmlns:a16="http://schemas.microsoft.com/office/drawing/2014/main" id="{0DA9C58A-38A2-159A-A9A8-6945FD81C139}"/>
               </a:ext>
             </a:extLst>
           </p:cNvPr>
@@ -580,7 +580,7 @@
           <p:cNvPr id="3" name="竖排文字占位符 2">
             <a:extLst>
               <a:ext uri="{FF2B5EF4-FFF2-40B4-BE49-F238E27FC236}">
-                <a16:creationId xmlns:a16="http://schemas.microsoft.com/office/drawing/2014/main" id="{86F335DC-0BA8-A364-5377-AE50FD7B73A5}"/>
+                <a16:creationId xmlns:a16="http://schemas.microsoft.com/office/drawing/2014/main" id="{61549AA6-F83C-B17A-A106-4E555FBD3518}"/>
               </a:ext>
             </a:extLst>
           </p:cNvPr>
@@ -642,7 +642,7 @@
           <p:cNvPr id="4" name="日期占位符 3">
             <a:extLst>
               <a:ext uri="{FF2B5EF4-FFF2-40B4-BE49-F238E27FC236}">
-                <a16:creationId xmlns:a16="http://schemas.microsoft.com/office/drawing/2014/main" id="{C0D646AD-506A-3225-9F5C-D62C1376135D}"/>
+                <a16:creationId xmlns:a16="http://schemas.microsoft.com/office/drawing/2014/main" id="{6501EE11-21B7-FA5A-621F-20E1BD775B63}"/>
               </a:ext>
             </a:extLst>
           </p:cNvPr>
@@ -658,7 +658,7 @@
           <a:bodyPr/>
           <a:lstStyle/>
           <a:p>
-            <a:fld id="{CCEAA205-2D3A-4FDF-A99C-3C6EEA0A6D97}" type="datetimeFigureOut">
+            <a:fld id="{0D476AB0-F5C4-476D-B0E0-EAEA1AA5FE88}" type="datetimeFigureOut">
               <a:rPr lang="zh-CN" altLang="en-US" smtClean="0"/>
               <a:t>2024/3/10</a:t>
             </a:fld>
@@ -671,7 +671,7 @@
           <p:cNvPr id="5" name="页脚占位符 4">
             <a:extLst>
               <a:ext uri="{FF2B5EF4-FFF2-40B4-BE49-F238E27FC236}">
-                <a16:creationId xmlns:a16="http://schemas.microsoft.com/office/drawing/2014/main" id="{3C5D0AD6-3C88-1B0C-8DE8-8F4A7AB264B8}"/>
+                <a16:creationId xmlns:a16="http://schemas.microsoft.com/office/drawing/2014/main" id="{8A181A3A-40B7-B5AA-EC2A-F922795445F6}"/>
               </a:ext>
             </a:extLst>
           </p:cNvPr>
@@ -696,7 +696,7 @@
           <p:cNvPr id="6" name="灯片编号占位符 5">
             <a:extLst>
               <a:ext uri="{FF2B5EF4-FFF2-40B4-BE49-F238E27FC236}">
-                <a16:creationId xmlns:a16="http://schemas.microsoft.com/office/drawing/2014/main" id="{5D4E54EE-00FD-1196-ED0F-8F1A8FAF712A}"/>
+                <a16:creationId xmlns:a16="http://schemas.microsoft.com/office/drawing/2014/main" id="{28A11D31-34D9-E1D2-07CD-522199A9EC49}"/>
               </a:ext>
             </a:extLst>
           </p:cNvPr>
@@ -712,7 +712,7 @@
           <a:bodyPr/>
           <a:lstStyle/>
           <a:p>
-            <a:fld id="{680449AA-5F0A-4F0F-BE9B-4355B75D7638}" type="slidenum">
+            <a:fld id="{EEEC44F8-612B-4E87-82AD-B69481AE3D1F}" type="slidenum">
               <a:rPr lang="zh-CN" altLang="en-US" smtClean="0"/>
               <a:t>‹#›</a:t>
             </a:fld>
@@ -723,7 +723,7 @@
     </p:spTree>
     <p:extLst>
       <p:ext uri="{BB962C8B-B14F-4D97-AF65-F5344CB8AC3E}">
-        <p14:creationId xmlns:p14="http://schemas.microsoft.com/office/powerpoint/2010/main" val="1755433938"/>
+        <p14:creationId xmlns:p14="http://schemas.microsoft.com/office/powerpoint/2010/main" val="3788436578"/>
       </p:ext>
     </p:extLst>
   </p:cSld>
@@ -755,7 +755,7 @@
           <p:cNvPr id="2" name="标题 1">
             <a:extLst>
               <a:ext uri="{FF2B5EF4-FFF2-40B4-BE49-F238E27FC236}">
-                <a16:creationId xmlns:a16="http://schemas.microsoft.com/office/drawing/2014/main" id="{5CF33E65-64D8-7B77-0EDB-4F1237E278C5}"/>
+                <a16:creationId xmlns:a16="http://schemas.microsoft.com/office/drawing/2014/main" id="{93B21FB1-DEED-2EFB-CC4D-7C32B0DE3425}"/>
               </a:ext>
             </a:extLst>
           </p:cNvPr>
@@ -783,7 +783,7 @@
           <p:cNvPr id="3" name="内容占位符 2">
             <a:extLst>
               <a:ext uri="{FF2B5EF4-FFF2-40B4-BE49-F238E27FC236}">
-                <a16:creationId xmlns:a16="http://schemas.microsoft.com/office/drawing/2014/main" id="{A607D6CC-0871-18E7-63B5-6DDE4634A6C4}"/>
+                <a16:creationId xmlns:a16="http://schemas.microsoft.com/office/drawing/2014/main" id="{408E223E-5B02-8AAA-C3C0-11B936AC92B6}"/>
               </a:ext>
             </a:extLst>
           </p:cNvPr>
@@ -840,7 +840,7 @@
           <p:cNvPr id="4" name="日期占位符 3">
             <a:extLst>
               <a:ext uri="{FF2B5EF4-FFF2-40B4-BE49-F238E27FC236}">
-                <a16:creationId xmlns:a16="http://schemas.microsoft.com/office/drawing/2014/main" id="{1570583F-89CC-6B34-1CF1-35C0FA07D013}"/>
+                <a16:creationId xmlns:a16="http://schemas.microsoft.com/office/drawing/2014/main" id="{9ECFDEA9-C13F-6067-215F-C0C441241DC9}"/>
               </a:ext>
             </a:extLst>
           </p:cNvPr>
@@ -856,7 +856,7 @@
           <a:bodyPr/>
           <a:lstStyle/>
           <a:p>
-            <a:fld id="{CCEAA205-2D3A-4FDF-A99C-3C6EEA0A6D97}" type="datetimeFigureOut">
+            <a:fld id="{0D476AB0-F5C4-476D-B0E0-EAEA1AA5FE88}" type="datetimeFigureOut">
               <a:rPr lang="zh-CN" altLang="en-US" smtClean="0"/>
               <a:t>2024/3/10</a:t>
             </a:fld>
@@ -869,7 +869,7 @@
           <p:cNvPr id="5" name="页脚占位符 4">
             <a:extLst>
               <a:ext uri="{FF2B5EF4-FFF2-40B4-BE49-F238E27FC236}">
-                <a16:creationId xmlns:a16="http://schemas.microsoft.com/office/drawing/2014/main" id="{67735103-A634-9BDB-9C1D-3343B5CE7441}"/>
+                <a16:creationId xmlns:a16="http://schemas.microsoft.com/office/drawing/2014/main" id="{FDBF0CC6-2E17-B360-2031-A36962BE9567}"/>
               </a:ext>
             </a:extLst>
           </p:cNvPr>
@@ -894,7 +894,7 @@
           <p:cNvPr id="6" name="灯片编号占位符 5">
             <a:extLst>
               <a:ext uri="{FF2B5EF4-FFF2-40B4-BE49-F238E27FC236}">
-                <a16:creationId xmlns:a16="http://schemas.microsoft.com/office/drawing/2014/main" id="{6A0BD071-0D3F-B7EC-4136-507C22473557}"/>
+                <a16:creationId xmlns:a16="http://schemas.microsoft.com/office/drawing/2014/main" id="{565A295A-89AE-86D3-86DB-EAAC5C8A19FC}"/>
               </a:ext>
             </a:extLst>
           </p:cNvPr>
@@ -910,7 +910,7 @@
           <a:bodyPr/>
           <a:lstStyle/>
           <a:p>
-            <a:fld id="{680449AA-5F0A-4F0F-BE9B-4355B75D7638}" type="slidenum">
+            <a:fld id="{EEEC44F8-612B-4E87-82AD-B69481AE3D1F}" type="slidenum">
               <a:rPr lang="zh-CN" altLang="en-US" smtClean="0"/>
               <a:t>‹#›</a:t>
             </a:fld>
@@ -921,7 +921,7 @@
     </p:spTree>
     <p:extLst>
       <p:ext uri="{BB962C8B-B14F-4D97-AF65-F5344CB8AC3E}">
-        <p14:creationId xmlns:p14="http://schemas.microsoft.com/office/powerpoint/2010/main" val="1438967614"/>
+        <p14:creationId xmlns:p14="http://schemas.microsoft.com/office/powerpoint/2010/main" val="1423306494"/>
       </p:ext>
     </p:extLst>
   </p:cSld>
@@ -953,7 +953,7 @@
           <p:cNvPr id="2" name="标题 1">
             <a:extLst>
               <a:ext uri="{FF2B5EF4-FFF2-40B4-BE49-F238E27FC236}">
-                <a16:creationId xmlns:a16="http://schemas.microsoft.com/office/drawing/2014/main" id="{68A1127D-57E0-9370-CC65-31324E274BF3}"/>
+                <a16:creationId xmlns:a16="http://schemas.microsoft.com/office/drawing/2014/main" id="{99D176C1-4ADA-49E2-FF57-4E780A9A32C9}"/>
               </a:ext>
             </a:extLst>
           </p:cNvPr>
@@ -990,7 +990,7 @@
           <p:cNvPr id="3" name="文本占位符 2">
             <a:extLst>
               <a:ext uri="{FF2B5EF4-FFF2-40B4-BE49-F238E27FC236}">
-                <a16:creationId xmlns:a16="http://schemas.microsoft.com/office/drawing/2014/main" id="{2F2DC2A4-7CF2-56A8-F9A7-678B1ED347EF}"/>
+                <a16:creationId xmlns:a16="http://schemas.microsoft.com/office/drawing/2014/main" id="{1D721785-EF6D-A843-4795-654FDE60714B}"/>
               </a:ext>
             </a:extLst>
           </p:cNvPr>
@@ -1115,7 +1115,7 @@
           <p:cNvPr id="4" name="日期占位符 3">
             <a:extLst>
               <a:ext uri="{FF2B5EF4-FFF2-40B4-BE49-F238E27FC236}">
-                <a16:creationId xmlns:a16="http://schemas.microsoft.com/office/drawing/2014/main" id="{DFF95F87-53E5-6550-8AC7-7FDDA743B0D2}"/>
+                <a16:creationId xmlns:a16="http://schemas.microsoft.com/office/drawing/2014/main" id="{CE477434-E674-D829-58AF-AC239CF2176C}"/>
               </a:ext>
             </a:extLst>
           </p:cNvPr>
@@ -1131,7 +1131,7 @@
           <a:bodyPr/>
           <a:lstStyle/>
           <a:p>
-            <a:fld id="{CCEAA205-2D3A-4FDF-A99C-3C6EEA0A6D97}" type="datetimeFigureOut">
+            <a:fld id="{0D476AB0-F5C4-476D-B0E0-EAEA1AA5FE88}" type="datetimeFigureOut">
               <a:rPr lang="zh-CN" altLang="en-US" smtClean="0"/>
               <a:t>2024/3/10</a:t>
             </a:fld>
@@ -1144,7 +1144,7 @@
           <p:cNvPr id="5" name="页脚占位符 4">
             <a:extLst>
               <a:ext uri="{FF2B5EF4-FFF2-40B4-BE49-F238E27FC236}">
-                <a16:creationId xmlns:a16="http://schemas.microsoft.com/office/drawing/2014/main" id="{A080BD65-20FF-F5CF-4032-DE545EC7F806}"/>
+                <a16:creationId xmlns:a16="http://schemas.microsoft.com/office/drawing/2014/main" id="{30AABCED-9509-D03A-A8CA-6A0F104D5723}"/>
               </a:ext>
             </a:extLst>
           </p:cNvPr>
@@ -1169,7 +1169,7 @@
           <p:cNvPr id="6" name="灯片编号占位符 5">
             <a:extLst>
               <a:ext uri="{FF2B5EF4-FFF2-40B4-BE49-F238E27FC236}">
-                <a16:creationId xmlns:a16="http://schemas.microsoft.com/office/drawing/2014/main" id="{9825E6A3-DDAD-163C-FDF6-F1230D0F4085}"/>
+                <a16:creationId xmlns:a16="http://schemas.microsoft.com/office/drawing/2014/main" id="{68AC8B55-B2AC-9BC7-A5D0-2573C13C0BFF}"/>
               </a:ext>
             </a:extLst>
           </p:cNvPr>
@@ -1185,7 +1185,7 @@
           <a:bodyPr/>
           <a:lstStyle/>
           <a:p>
-            <a:fld id="{680449AA-5F0A-4F0F-BE9B-4355B75D7638}" type="slidenum">
+            <a:fld id="{EEEC44F8-612B-4E87-82AD-B69481AE3D1F}" type="slidenum">
               <a:rPr lang="zh-CN" altLang="en-US" smtClean="0"/>
               <a:t>‹#›</a:t>
             </a:fld>
@@ -1196,7 +1196,7 @@
     </p:spTree>
     <p:extLst>
       <p:ext uri="{BB962C8B-B14F-4D97-AF65-F5344CB8AC3E}">
-        <p14:creationId xmlns:p14="http://schemas.microsoft.com/office/powerpoint/2010/main" val="2753830793"/>
+        <p14:creationId xmlns:p14="http://schemas.microsoft.com/office/powerpoint/2010/main" val="3263798245"/>
       </p:ext>
     </p:extLst>
   </p:cSld>
@@ -1228,7 +1228,7 @@
           <p:cNvPr id="2" name="标题 1">
             <a:extLst>
               <a:ext uri="{FF2B5EF4-FFF2-40B4-BE49-F238E27FC236}">
-                <a16:creationId xmlns:a16="http://schemas.microsoft.com/office/drawing/2014/main" id="{21504F60-1C45-7853-6C7A-97B208D60928}"/>
+                <a16:creationId xmlns:a16="http://schemas.microsoft.com/office/drawing/2014/main" id="{1799BAB5-75BB-4300-6E60-7107D8E26C20}"/>
               </a:ext>
             </a:extLst>
           </p:cNvPr>
@@ -1256,7 +1256,7 @@
           <p:cNvPr id="3" name="内容占位符 2">
             <a:extLst>
               <a:ext uri="{FF2B5EF4-FFF2-40B4-BE49-F238E27FC236}">
-                <a16:creationId xmlns:a16="http://schemas.microsoft.com/office/drawing/2014/main" id="{496723F2-6ED6-BA88-7BD8-C96A8E2DD445}"/>
+                <a16:creationId xmlns:a16="http://schemas.microsoft.com/office/drawing/2014/main" id="{0A434999-7B6D-01EB-061E-720E873C9EF6}"/>
               </a:ext>
             </a:extLst>
           </p:cNvPr>
@@ -1318,7 +1318,7 @@
           <p:cNvPr id="4" name="内容占位符 3">
             <a:extLst>
               <a:ext uri="{FF2B5EF4-FFF2-40B4-BE49-F238E27FC236}">
-                <a16:creationId xmlns:a16="http://schemas.microsoft.com/office/drawing/2014/main" id="{BE45492E-F8F9-759C-AD13-51EB27F09559}"/>
+                <a16:creationId xmlns:a16="http://schemas.microsoft.com/office/drawing/2014/main" id="{405277BC-0E26-0D80-1583-981E8D16FF55}"/>
               </a:ext>
             </a:extLst>
           </p:cNvPr>
@@ -1380,7 +1380,7 @@
           <p:cNvPr id="5" name="日期占位符 4">
             <a:extLst>
               <a:ext uri="{FF2B5EF4-FFF2-40B4-BE49-F238E27FC236}">
-                <a16:creationId xmlns:a16="http://schemas.microsoft.com/office/drawing/2014/main" id="{4C0CBFFE-53E0-0211-6633-93934F8554B2}"/>
+                <a16:creationId xmlns:a16="http://schemas.microsoft.com/office/drawing/2014/main" id="{1B72977A-C318-AC72-3FE9-59E1F70789EB}"/>
               </a:ext>
             </a:extLst>
           </p:cNvPr>
@@ -1396,7 +1396,7 @@
           <a:bodyPr/>
           <a:lstStyle/>
           <a:p>
-            <a:fld id="{CCEAA205-2D3A-4FDF-A99C-3C6EEA0A6D97}" type="datetimeFigureOut">
+            <a:fld id="{0D476AB0-F5C4-476D-B0E0-EAEA1AA5FE88}" type="datetimeFigureOut">
               <a:rPr lang="zh-CN" altLang="en-US" smtClean="0"/>
               <a:t>2024/3/10</a:t>
             </a:fld>
@@ -1409,7 +1409,7 @@
           <p:cNvPr id="6" name="页脚占位符 5">
             <a:extLst>
               <a:ext uri="{FF2B5EF4-FFF2-40B4-BE49-F238E27FC236}">
-                <a16:creationId xmlns:a16="http://schemas.microsoft.com/office/drawing/2014/main" id="{4140F354-1F45-5067-3B2E-F977430CE3DF}"/>
+                <a16:creationId xmlns:a16="http://schemas.microsoft.com/office/drawing/2014/main" id="{5247C6D4-E920-176A-BB9E-E807651BFE66}"/>
               </a:ext>
             </a:extLst>
           </p:cNvPr>
@@ -1434,7 +1434,7 @@
           <p:cNvPr id="7" name="灯片编号占位符 6">
             <a:extLst>
               <a:ext uri="{FF2B5EF4-FFF2-40B4-BE49-F238E27FC236}">
-                <a16:creationId xmlns:a16="http://schemas.microsoft.com/office/drawing/2014/main" id="{4F9692F2-D4D5-3F05-B622-19EB18C4B28C}"/>
+                <a16:creationId xmlns:a16="http://schemas.microsoft.com/office/drawing/2014/main" id="{DCC9E40B-3F79-F348-9155-E5BF61FA4587}"/>
               </a:ext>
             </a:extLst>
           </p:cNvPr>
@@ -1450,7 +1450,7 @@
           <a:bodyPr/>
           <a:lstStyle/>
           <a:p>
-            <a:fld id="{680449AA-5F0A-4F0F-BE9B-4355B75D7638}" type="slidenum">
+            <a:fld id="{EEEC44F8-612B-4E87-82AD-B69481AE3D1F}" type="slidenum">
               <a:rPr lang="zh-CN" altLang="en-US" smtClean="0"/>
               <a:t>‹#›</a:t>
             </a:fld>
@@ -1461,7 +1461,7 @@
     </p:spTree>
     <p:extLst>
       <p:ext uri="{BB962C8B-B14F-4D97-AF65-F5344CB8AC3E}">
-        <p14:creationId xmlns:p14="http://schemas.microsoft.com/office/powerpoint/2010/main" val="4213424543"/>
+        <p14:creationId xmlns:p14="http://schemas.microsoft.com/office/powerpoint/2010/main" val="26960788"/>
       </p:ext>
     </p:extLst>
   </p:cSld>
@@ -1493,7 +1493,7 @@
           <p:cNvPr id="2" name="标题 1">
             <a:extLst>
               <a:ext uri="{FF2B5EF4-FFF2-40B4-BE49-F238E27FC236}">
-                <a16:creationId xmlns:a16="http://schemas.microsoft.com/office/drawing/2014/main" id="{0178EB03-6832-5263-FEA2-B67C42DF4B76}"/>
+                <a16:creationId xmlns:a16="http://schemas.microsoft.com/office/drawing/2014/main" id="{DECDAF67-1CE6-6582-EAC4-9440BA9A0719}"/>
               </a:ext>
             </a:extLst>
           </p:cNvPr>
@@ -1526,7 +1526,7 @@
           <p:cNvPr id="3" name="文本占位符 2">
             <a:extLst>
               <a:ext uri="{FF2B5EF4-FFF2-40B4-BE49-F238E27FC236}">
-                <a16:creationId xmlns:a16="http://schemas.microsoft.com/office/drawing/2014/main" id="{BE90FDA2-F686-E173-62B4-705F4A6E10C1}"/>
+                <a16:creationId xmlns:a16="http://schemas.microsoft.com/office/drawing/2014/main" id="{62530193-B2BE-FA07-34D0-8B584D051DEC}"/>
               </a:ext>
             </a:extLst>
           </p:cNvPr>
@@ -1597,7 +1597,7 @@
           <p:cNvPr id="4" name="内容占位符 3">
             <a:extLst>
               <a:ext uri="{FF2B5EF4-FFF2-40B4-BE49-F238E27FC236}">
-                <a16:creationId xmlns:a16="http://schemas.microsoft.com/office/drawing/2014/main" id="{290BF725-058A-F40E-8C30-2CB39703C1CB}"/>
+                <a16:creationId xmlns:a16="http://schemas.microsoft.com/office/drawing/2014/main" id="{DC71B6A0-9E00-2FA9-77A4-3ABA4EB042EF}"/>
               </a:ext>
             </a:extLst>
           </p:cNvPr>
@@ -1659,7 +1659,7 @@
           <p:cNvPr id="5" name="文本占位符 4">
             <a:extLst>
               <a:ext uri="{FF2B5EF4-FFF2-40B4-BE49-F238E27FC236}">
-                <a16:creationId xmlns:a16="http://schemas.microsoft.com/office/drawing/2014/main" id="{08023891-E7A9-144F-CAC1-24943B6E5085}"/>
+                <a16:creationId xmlns:a16="http://schemas.microsoft.com/office/drawing/2014/main" id="{4F51B9D8-B02D-247B-1F38-F970F99B59C9}"/>
               </a:ext>
             </a:extLst>
           </p:cNvPr>
@@ -1730,7 +1730,7 @@
           <p:cNvPr id="6" name="内容占位符 5">
             <a:extLst>
               <a:ext uri="{FF2B5EF4-FFF2-40B4-BE49-F238E27FC236}">
-                <a16:creationId xmlns:a16="http://schemas.microsoft.com/office/drawing/2014/main" id="{B857FB69-150A-DA02-45D8-E1A181976503}"/>
+                <a16:creationId xmlns:a16="http://schemas.microsoft.com/office/drawing/2014/main" id="{F251A1B3-79D1-E26F-771A-9FFB48880805}"/>
               </a:ext>
             </a:extLst>
           </p:cNvPr>
@@ -1792,7 +1792,7 @@
           <p:cNvPr id="7" name="日期占位符 6">
             <a:extLst>
               <a:ext uri="{FF2B5EF4-FFF2-40B4-BE49-F238E27FC236}">
-                <a16:creationId xmlns:a16="http://schemas.microsoft.com/office/drawing/2014/main" id="{02C80F43-F695-350F-93D9-CDC0B543AE59}"/>
+                <a16:creationId xmlns:a16="http://schemas.microsoft.com/office/drawing/2014/main" id="{4E36881D-7329-F173-6CC9-F5E3CA3415E0}"/>
               </a:ext>
             </a:extLst>
           </p:cNvPr>
@@ -1808,7 +1808,7 @@
           <a:bodyPr/>
           <a:lstStyle/>
           <a:p>
-            <a:fld id="{CCEAA205-2D3A-4FDF-A99C-3C6EEA0A6D97}" type="datetimeFigureOut">
+            <a:fld id="{0D476AB0-F5C4-476D-B0E0-EAEA1AA5FE88}" type="datetimeFigureOut">
               <a:rPr lang="zh-CN" altLang="en-US" smtClean="0"/>
               <a:t>2024/3/10</a:t>
             </a:fld>
@@ -1821,7 +1821,7 @@
           <p:cNvPr id="8" name="页脚占位符 7">
             <a:extLst>
               <a:ext uri="{FF2B5EF4-FFF2-40B4-BE49-F238E27FC236}">
-                <a16:creationId xmlns:a16="http://schemas.microsoft.com/office/drawing/2014/main" id="{1608D4F5-88D4-97D6-BE9E-548493FCEB95}"/>
+                <a16:creationId xmlns:a16="http://schemas.microsoft.com/office/drawing/2014/main" id="{C24A18AC-1F70-CFAA-02D7-5B50F6B2201C}"/>
               </a:ext>
             </a:extLst>
           </p:cNvPr>
@@ -1846,7 +1846,7 @@
           <p:cNvPr id="9" name="灯片编号占位符 8">
             <a:extLst>
               <a:ext uri="{FF2B5EF4-FFF2-40B4-BE49-F238E27FC236}">
-                <a16:creationId xmlns:a16="http://schemas.microsoft.com/office/drawing/2014/main" id="{3DE0E8EB-BFCF-87E3-FC3F-3A6D89C63658}"/>
+                <a16:creationId xmlns:a16="http://schemas.microsoft.com/office/drawing/2014/main" id="{33A7B7BE-5345-80C9-8877-C5E4D8857229}"/>
               </a:ext>
             </a:extLst>
           </p:cNvPr>
@@ -1862,7 +1862,7 @@
           <a:bodyPr/>
           <a:lstStyle/>
           <a:p>
-            <a:fld id="{680449AA-5F0A-4F0F-BE9B-4355B75D7638}" type="slidenum">
+            <a:fld id="{EEEC44F8-612B-4E87-82AD-B69481AE3D1F}" type="slidenum">
               <a:rPr lang="zh-CN" altLang="en-US" smtClean="0"/>
               <a:t>‹#›</a:t>
             </a:fld>
@@ -1873,7 +1873,7 @@
     </p:spTree>
     <p:extLst>
       <p:ext uri="{BB962C8B-B14F-4D97-AF65-F5344CB8AC3E}">
-        <p14:creationId xmlns:p14="http://schemas.microsoft.com/office/powerpoint/2010/main" val="4091293673"/>
+        <p14:creationId xmlns:p14="http://schemas.microsoft.com/office/powerpoint/2010/main" val="2580273592"/>
       </p:ext>
     </p:extLst>
   </p:cSld>
@@ -1905,7 +1905,7 @@
           <p:cNvPr id="2" name="标题 1">
             <a:extLst>
               <a:ext uri="{FF2B5EF4-FFF2-40B4-BE49-F238E27FC236}">
-                <a16:creationId xmlns:a16="http://schemas.microsoft.com/office/drawing/2014/main" id="{43D0A0B5-E0D7-2082-C13E-781A3ADB775A}"/>
+                <a16:creationId xmlns:a16="http://schemas.microsoft.com/office/drawing/2014/main" id="{8EAF872A-5B59-82DC-DAD4-EF7D4C488228}"/>
               </a:ext>
             </a:extLst>
           </p:cNvPr>
@@ -1933,7 +1933,7 @@
           <p:cNvPr id="3" name="日期占位符 2">
             <a:extLst>
               <a:ext uri="{FF2B5EF4-FFF2-40B4-BE49-F238E27FC236}">
-                <a16:creationId xmlns:a16="http://schemas.microsoft.com/office/drawing/2014/main" id="{8B4F2C93-EDB0-E9FE-2F91-CD0B783FF972}"/>
+                <a16:creationId xmlns:a16="http://schemas.microsoft.com/office/drawing/2014/main" id="{748F6923-588B-AA94-151A-EAC782D82B7C}"/>
               </a:ext>
             </a:extLst>
           </p:cNvPr>
@@ -1949,7 +1949,7 @@
           <a:bodyPr/>
           <a:lstStyle/>
           <a:p>
-            <a:fld id="{CCEAA205-2D3A-4FDF-A99C-3C6EEA0A6D97}" type="datetimeFigureOut">
+            <a:fld id="{0D476AB0-F5C4-476D-B0E0-EAEA1AA5FE88}" type="datetimeFigureOut">
               <a:rPr lang="zh-CN" altLang="en-US" smtClean="0"/>
               <a:t>2024/3/10</a:t>
             </a:fld>
@@ -1962,7 +1962,7 @@
           <p:cNvPr id="4" name="页脚占位符 3">
             <a:extLst>
               <a:ext uri="{FF2B5EF4-FFF2-40B4-BE49-F238E27FC236}">
-                <a16:creationId xmlns:a16="http://schemas.microsoft.com/office/drawing/2014/main" id="{9E98DEE1-B599-7B63-492A-884B53420B15}"/>
+                <a16:creationId xmlns:a16="http://schemas.microsoft.com/office/drawing/2014/main" id="{C175F77A-EE54-96EF-0514-D91134593A28}"/>
               </a:ext>
             </a:extLst>
           </p:cNvPr>
@@ -1987,7 +1987,7 @@
           <p:cNvPr id="5" name="灯片编号占位符 4">
             <a:extLst>
               <a:ext uri="{FF2B5EF4-FFF2-40B4-BE49-F238E27FC236}">
-                <a16:creationId xmlns:a16="http://schemas.microsoft.com/office/drawing/2014/main" id="{54D7896B-9DD2-A712-0B06-A5F09847E534}"/>
+                <a16:creationId xmlns:a16="http://schemas.microsoft.com/office/drawing/2014/main" id="{50CE8A2D-EB97-F5A1-F7F5-E3B5A24BCE4F}"/>
               </a:ext>
             </a:extLst>
           </p:cNvPr>
@@ -2003,7 +2003,7 @@
           <a:bodyPr/>
           <a:lstStyle/>
           <a:p>
-            <a:fld id="{680449AA-5F0A-4F0F-BE9B-4355B75D7638}" type="slidenum">
+            <a:fld id="{EEEC44F8-612B-4E87-82AD-B69481AE3D1F}" type="slidenum">
               <a:rPr lang="zh-CN" altLang="en-US" smtClean="0"/>
               <a:t>‹#›</a:t>
             </a:fld>
@@ -2014,7 +2014,7 @@
     </p:spTree>
     <p:extLst>
       <p:ext uri="{BB962C8B-B14F-4D97-AF65-F5344CB8AC3E}">
-        <p14:creationId xmlns:p14="http://schemas.microsoft.com/office/powerpoint/2010/main" val="3818703214"/>
+        <p14:creationId xmlns:p14="http://schemas.microsoft.com/office/powerpoint/2010/main" val="2023666085"/>
       </p:ext>
     </p:extLst>
   </p:cSld>
@@ -2046,7 +2046,7 @@
           <p:cNvPr id="2" name="日期占位符 1">
             <a:extLst>
               <a:ext uri="{FF2B5EF4-FFF2-40B4-BE49-F238E27FC236}">
-                <a16:creationId xmlns:a16="http://schemas.microsoft.com/office/drawing/2014/main" id="{212F4683-16CE-E14B-D6BA-538C71DD1100}"/>
+                <a16:creationId xmlns:a16="http://schemas.microsoft.com/office/drawing/2014/main" id="{D6E36CA1-07DB-F9F5-FFD6-08BBD436BB8C}"/>
               </a:ext>
             </a:extLst>
           </p:cNvPr>
@@ -2062,7 +2062,7 @@
           <a:bodyPr/>
           <a:lstStyle/>
           <a:p>
-            <a:fld id="{CCEAA205-2D3A-4FDF-A99C-3C6EEA0A6D97}" type="datetimeFigureOut">
+            <a:fld id="{0D476AB0-F5C4-476D-B0E0-EAEA1AA5FE88}" type="datetimeFigureOut">
               <a:rPr lang="zh-CN" altLang="en-US" smtClean="0"/>
               <a:t>2024/3/10</a:t>
             </a:fld>
@@ -2075,7 +2075,7 @@
           <p:cNvPr id="3" name="页脚占位符 2">
             <a:extLst>
               <a:ext uri="{FF2B5EF4-FFF2-40B4-BE49-F238E27FC236}">
-                <a16:creationId xmlns:a16="http://schemas.microsoft.com/office/drawing/2014/main" id="{67CDB771-3079-F532-232A-AD6B9CE2AC7B}"/>
+                <a16:creationId xmlns:a16="http://schemas.microsoft.com/office/drawing/2014/main" id="{3F65974F-1DA1-9AE3-E213-99667D1D8FAD}"/>
               </a:ext>
             </a:extLst>
           </p:cNvPr>
@@ -2100,7 +2100,7 @@
           <p:cNvPr id="4" name="灯片编号占位符 3">
             <a:extLst>
               <a:ext uri="{FF2B5EF4-FFF2-40B4-BE49-F238E27FC236}">
-                <a16:creationId xmlns:a16="http://schemas.microsoft.com/office/drawing/2014/main" id="{F7850D81-B71B-A9CC-5187-B70D17E24D8A}"/>
+                <a16:creationId xmlns:a16="http://schemas.microsoft.com/office/drawing/2014/main" id="{CFB84F57-067B-ECF9-72CF-B121C0CB3B83}"/>
               </a:ext>
             </a:extLst>
           </p:cNvPr>
@@ -2116,7 +2116,7 @@
           <a:bodyPr/>
           <a:lstStyle/>
           <a:p>
-            <a:fld id="{680449AA-5F0A-4F0F-BE9B-4355B75D7638}" type="slidenum">
+            <a:fld id="{EEEC44F8-612B-4E87-82AD-B69481AE3D1F}" type="slidenum">
               <a:rPr lang="zh-CN" altLang="en-US" smtClean="0"/>
               <a:t>‹#›</a:t>
             </a:fld>
@@ -2127,7 +2127,7 @@
     </p:spTree>
     <p:extLst>
       <p:ext uri="{BB962C8B-B14F-4D97-AF65-F5344CB8AC3E}">
-        <p14:creationId xmlns:p14="http://schemas.microsoft.com/office/powerpoint/2010/main" val="510119141"/>
+        <p14:creationId xmlns:p14="http://schemas.microsoft.com/office/powerpoint/2010/main" val="923607282"/>
       </p:ext>
     </p:extLst>
   </p:cSld>
@@ -2159,7 +2159,7 @@
           <p:cNvPr id="2" name="标题 1">
             <a:extLst>
               <a:ext uri="{FF2B5EF4-FFF2-40B4-BE49-F238E27FC236}">
-                <a16:creationId xmlns:a16="http://schemas.microsoft.com/office/drawing/2014/main" id="{8CDF0ED1-D30A-0605-1716-938C3FDAB5BE}"/>
+                <a16:creationId xmlns:a16="http://schemas.microsoft.com/office/drawing/2014/main" id="{56EA6B9C-A00E-40EE-39FD-5F3428F43650}"/>
               </a:ext>
             </a:extLst>
           </p:cNvPr>
@@ -2196,7 +2196,7 @@
           <p:cNvPr id="3" name="内容占位符 2">
             <a:extLst>
               <a:ext uri="{FF2B5EF4-FFF2-40B4-BE49-F238E27FC236}">
-                <a16:creationId xmlns:a16="http://schemas.microsoft.com/office/drawing/2014/main" id="{3598BA65-716C-C3AA-D7B0-E22F020C07F4}"/>
+                <a16:creationId xmlns:a16="http://schemas.microsoft.com/office/drawing/2014/main" id="{D9453FE7-4676-BAAC-2312-11EA133500D7}"/>
               </a:ext>
             </a:extLst>
           </p:cNvPr>
@@ -2286,7 +2286,7 @@
           <p:cNvPr id="4" name="文本占位符 3">
             <a:extLst>
               <a:ext uri="{FF2B5EF4-FFF2-40B4-BE49-F238E27FC236}">
-                <a16:creationId xmlns:a16="http://schemas.microsoft.com/office/drawing/2014/main" id="{D4DEA573-E436-72CE-6F7D-5F14FFDEB94B}"/>
+                <a16:creationId xmlns:a16="http://schemas.microsoft.com/office/drawing/2014/main" id="{E54ED38F-6AFA-8F84-5E38-6E80CA310054}"/>
               </a:ext>
             </a:extLst>
           </p:cNvPr>
@@ -2357,7 +2357,7 @@
           <p:cNvPr id="5" name="日期占位符 4">
             <a:extLst>
               <a:ext uri="{FF2B5EF4-FFF2-40B4-BE49-F238E27FC236}">
-                <a16:creationId xmlns:a16="http://schemas.microsoft.com/office/drawing/2014/main" id="{986F3DD6-DDC2-259F-132E-838F7891E1AA}"/>
+                <a16:creationId xmlns:a16="http://schemas.microsoft.com/office/drawing/2014/main" id="{77DBED7E-936B-AD34-E9D2-7C3CD0E4B54A}"/>
               </a:ext>
             </a:extLst>
           </p:cNvPr>
@@ -2373,7 +2373,7 @@
           <a:bodyPr/>
           <a:lstStyle/>
           <a:p>
-            <a:fld id="{CCEAA205-2D3A-4FDF-A99C-3C6EEA0A6D97}" type="datetimeFigureOut">
+            <a:fld id="{0D476AB0-F5C4-476D-B0E0-EAEA1AA5FE88}" type="datetimeFigureOut">
               <a:rPr lang="zh-CN" altLang="en-US" smtClean="0"/>
               <a:t>2024/3/10</a:t>
             </a:fld>
@@ -2386,7 +2386,7 @@
           <p:cNvPr id="6" name="页脚占位符 5">
             <a:extLst>
               <a:ext uri="{FF2B5EF4-FFF2-40B4-BE49-F238E27FC236}">
-                <a16:creationId xmlns:a16="http://schemas.microsoft.com/office/drawing/2014/main" id="{C43669FF-60E8-9C8E-CEB0-B20BFFCF18B1}"/>
+                <a16:creationId xmlns:a16="http://schemas.microsoft.com/office/drawing/2014/main" id="{C3582298-B87A-411D-4954-009A055577B5}"/>
               </a:ext>
             </a:extLst>
           </p:cNvPr>
@@ -2411,7 +2411,7 @@
           <p:cNvPr id="7" name="灯片编号占位符 6">
             <a:extLst>
               <a:ext uri="{FF2B5EF4-FFF2-40B4-BE49-F238E27FC236}">
-                <a16:creationId xmlns:a16="http://schemas.microsoft.com/office/drawing/2014/main" id="{6C3A784B-E956-B3DD-4C88-E9A3E0A26974}"/>
+                <a16:creationId xmlns:a16="http://schemas.microsoft.com/office/drawing/2014/main" id="{5132E159-F18D-5791-3275-01DC9B8B1BEC}"/>
               </a:ext>
             </a:extLst>
           </p:cNvPr>
@@ -2427,7 +2427,7 @@
           <a:bodyPr/>
           <a:lstStyle/>
           <a:p>
-            <a:fld id="{680449AA-5F0A-4F0F-BE9B-4355B75D7638}" type="slidenum">
+            <a:fld id="{EEEC44F8-612B-4E87-82AD-B69481AE3D1F}" type="slidenum">
               <a:rPr lang="zh-CN" altLang="en-US" smtClean="0"/>
               <a:t>‹#›</a:t>
             </a:fld>
@@ -2438,7 +2438,7 @@
     </p:spTree>
     <p:extLst>
       <p:ext uri="{BB962C8B-B14F-4D97-AF65-F5344CB8AC3E}">
-        <p14:creationId xmlns:p14="http://schemas.microsoft.com/office/powerpoint/2010/main" val="3702721964"/>
+        <p14:creationId xmlns:p14="http://schemas.microsoft.com/office/powerpoint/2010/main" val="622755651"/>
       </p:ext>
     </p:extLst>
   </p:cSld>
@@ -2470,7 +2470,7 @@
           <p:cNvPr id="2" name="标题 1">
             <a:extLst>
               <a:ext uri="{FF2B5EF4-FFF2-40B4-BE49-F238E27FC236}">
-                <a16:creationId xmlns:a16="http://schemas.microsoft.com/office/drawing/2014/main" id="{BEC74910-4426-DEA5-EF09-3F729ABA0E95}"/>
+                <a16:creationId xmlns:a16="http://schemas.microsoft.com/office/drawing/2014/main" id="{FA0EC9B7-9ECF-C4AC-1FDD-D75C08966F13}"/>
               </a:ext>
             </a:extLst>
           </p:cNvPr>
@@ -2507,7 +2507,7 @@
           <p:cNvPr id="3" name="图片占位符 2">
             <a:extLst>
               <a:ext uri="{FF2B5EF4-FFF2-40B4-BE49-F238E27FC236}">
-                <a16:creationId xmlns:a16="http://schemas.microsoft.com/office/drawing/2014/main" id="{DEA0B8B8-CEDE-D854-B9AA-7F4D8E01CFC6}"/>
+                <a16:creationId xmlns:a16="http://schemas.microsoft.com/office/drawing/2014/main" id="{F8EF8D26-3404-881B-8399-2718745D0E01}"/>
               </a:ext>
             </a:extLst>
           </p:cNvPr>
@@ -2574,7 +2574,7 @@
           <p:cNvPr id="4" name="文本占位符 3">
             <a:extLst>
               <a:ext uri="{FF2B5EF4-FFF2-40B4-BE49-F238E27FC236}">
-                <a16:creationId xmlns:a16="http://schemas.microsoft.com/office/drawing/2014/main" id="{1B9B38AB-F9D1-CDC1-2E53-A2883D743F61}"/>
+                <a16:creationId xmlns:a16="http://schemas.microsoft.com/office/drawing/2014/main" id="{5BF109B1-6A7E-2A18-DF71-9D4FF1D6755B}"/>
               </a:ext>
             </a:extLst>
           </p:cNvPr>
@@ -2645,7 +2645,7 @@
           <p:cNvPr id="5" name="日期占位符 4">
             <a:extLst>
               <a:ext uri="{FF2B5EF4-FFF2-40B4-BE49-F238E27FC236}">
-                <a16:creationId xmlns:a16="http://schemas.microsoft.com/office/drawing/2014/main" id="{30ECA385-881C-3D4E-5C27-91C3DD18CC5F}"/>
+                <a16:creationId xmlns:a16="http://schemas.microsoft.com/office/drawing/2014/main" id="{5458A9F4-33CF-DE42-936B-E24D84A22AFE}"/>
               </a:ext>
             </a:extLst>
           </p:cNvPr>
@@ -2661,7 +2661,7 @@
           <a:bodyPr/>
           <a:lstStyle/>
           <a:p>
-            <a:fld id="{CCEAA205-2D3A-4FDF-A99C-3C6EEA0A6D97}" type="datetimeFigureOut">
+            <a:fld id="{0D476AB0-F5C4-476D-B0E0-EAEA1AA5FE88}" type="datetimeFigureOut">
               <a:rPr lang="zh-CN" altLang="en-US" smtClean="0"/>
               <a:t>2024/3/10</a:t>
             </a:fld>
@@ -2674,7 +2674,7 @@
           <p:cNvPr id="6" name="页脚占位符 5">
             <a:extLst>
               <a:ext uri="{FF2B5EF4-FFF2-40B4-BE49-F238E27FC236}">
-                <a16:creationId xmlns:a16="http://schemas.microsoft.com/office/drawing/2014/main" id="{7B88712C-E18A-88AB-7AD2-5D86D44352DC}"/>
+                <a16:creationId xmlns:a16="http://schemas.microsoft.com/office/drawing/2014/main" id="{CB02776F-9D80-F650-DBA7-D97B1FCF6AB8}"/>
               </a:ext>
             </a:extLst>
           </p:cNvPr>
@@ -2699,7 +2699,7 @@
           <p:cNvPr id="7" name="灯片编号占位符 6">
             <a:extLst>
               <a:ext uri="{FF2B5EF4-FFF2-40B4-BE49-F238E27FC236}">
-                <a16:creationId xmlns:a16="http://schemas.microsoft.com/office/drawing/2014/main" id="{95B62E48-F6FA-7ABF-EEE1-649DB64E4885}"/>
+                <a16:creationId xmlns:a16="http://schemas.microsoft.com/office/drawing/2014/main" id="{D2B1E77E-895D-3949-26FB-F9081B25F459}"/>
               </a:ext>
             </a:extLst>
           </p:cNvPr>
@@ -2715,7 +2715,7 @@
           <a:bodyPr/>
           <a:lstStyle/>
           <a:p>
-            <a:fld id="{680449AA-5F0A-4F0F-BE9B-4355B75D7638}" type="slidenum">
+            <a:fld id="{EEEC44F8-612B-4E87-82AD-B69481AE3D1F}" type="slidenum">
               <a:rPr lang="zh-CN" altLang="en-US" smtClean="0"/>
               <a:t>‹#›</a:t>
             </a:fld>
@@ -2726,7 +2726,7 @@
     </p:spTree>
     <p:extLst>
       <p:ext uri="{BB962C8B-B14F-4D97-AF65-F5344CB8AC3E}">
-        <p14:creationId xmlns:p14="http://schemas.microsoft.com/office/powerpoint/2010/main" val="3340644463"/>
+        <p14:creationId xmlns:p14="http://schemas.microsoft.com/office/powerpoint/2010/main" val="19576191"/>
       </p:ext>
     </p:extLst>
   </p:cSld>
@@ -2763,7 +2763,7 @@
           <p:cNvPr id="2" name="标题占位符 1">
             <a:extLst>
               <a:ext uri="{FF2B5EF4-FFF2-40B4-BE49-F238E27FC236}">
-                <a16:creationId xmlns:a16="http://schemas.microsoft.com/office/drawing/2014/main" id="{D379541A-9295-9DCF-D130-D7EF06EDE584}"/>
+                <a16:creationId xmlns:a16="http://schemas.microsoft.com/office/drawing/2014/main" id="{FD2F8FE8-6B0E-1661-104A-B9EC6B544743}"/>
               </a:ext>
             </a:extLst>
           </p:cNvPr>
@@ -2801,7 +2801,7 @@
           <p:cNvPr id="3" name="文本占位符 2">
             <a:extLst>
               <a:ext uri="{FF2B5EF4-FFF2-40B4-BE49-F238E27FC236}">
-                <a16:creationId xmlns:a16="http://schemas.microsoft.com/office/drawing/2014/main" id="{D45EC5AB-1DB2-3A66-4500-39A76E93A9D6}"/>
+                <a16:creationId xmlns:a16="http://schemas.microsoft.com/office/drawing/2014/main" id="{E94DB0B4-909D-C62D-909C-C760E42D7908}"/>
               </a:ext>
             </a:extLst>
           </p:cNvPr>
@@ -2868,7 +2868,7 @@
           <p:cNvPr id="4" name="日期占位符 3">
             <a:extLst>
               <a:ext uri="{FF2B5EF4-FFF2-40B4-BE49-F238E27FC236}">
-                <a16:creationId xmlns:a16="http://schemas.microsoft.com/office/drawing/2014/main" id="{13E2F76C-1CD1-63DD-BE67-0E534A5B3FC9}"/>
+                <a16:creationId xmlns:a16="http://schemas.microsoft.com/office/drawing/2014/main" id="{20FC9FB1-38A6-5A60-70B8-7D21BD7D85A6}"/>
               </a:ext>
             </a:extLst>
           </p:cNvPr>
@@ -2902,7 +2902,7 @@
             </a:lvl1pPr>
           </a:lstStyle>
           <a:p>
-            <a:fld id="{CCEAA205-2D3A-4FDF-A99C-3C6EEA0A6D97}" type="datetimeFigureOut">
+            <a:fld id="{0D476AB0-F5C4-476D-B0E0-EAEA1AA5FE88}" type="datetimeFigureOut">
               <a:rPr lang="zh-CN" altLang="en-US" smtClean="0"/>
               <a:t>2024/3/10</a:t>
             </a:fld>
@@ -2915,7 +2915,7 @@
           <p:cNvPr id="5" name="页脚占位符 4">
             <a:extLst>
               <a:ext uri="{FF2B5EF4-FFF2-40B4-BE49-F238E27FC236}">
-                <a16:creationId xmlns:a16="http://schemas.microsoft.com/office/drawing/2014/main" id="{4871EB82-4260-0448-C59A-EE1BFA61987E}"/>
+                <a16:creationId xmlns:a16="http://schemas.microsoft.com/office/drawing/2014/main" id="{11CB0FB1-49BA-A327-D5F9-A85D9B931F48}"/>
               </a:ext>
             </a:extLst>
           </p:cNvPr>
@@ -2958,7 +2958,7 @@
           <p:cNvPr id="6" name="灯片编号占位符 5">
             <a:extLst>
               <a:ext uri="{FF2B5EF4-FFF2-40B4-BE49-F238E27FC236}">
-                <a16:creationId xmlns:a16="http://schemas.microsoft.com/office/drawing/2014/main" id="{725391C0-6B6D-526C-60C2-B50D199B5A11}"/>
+                <a16:creationId xmlns:a16="http://schemas.microsoft.com/office/drawing/2014/main" id="{2642CD7F-9FD9-84FE-6318-26DAE2944963}"/>
               </a:ext>
             </a:extLst>
           </p:cNvPr>
@@ -2992,7 +2992,7 @@
             </a:lvl1pPr>
           </a:lstStyle>
           <a:p>
-            <a:fld id="{680449AA-5F0A-4F0F-BE9B-4355B75D7638}" type="slidenum">
+            <a:fld id="{EEEC44F8-612B-4E87-82AD-B69481AE3D1F}" type="slidenum">
               <a:rPr lang="zh-CN" altLang="en-US" smtClean="0"/>
               <a:t>‹#›</a:t>
             </a:fld>
@@ -3003,7 +3003,7 @@
     </p:spTree>
     <p:extLst>
       <p:ext uri="{BB962C8B-B14F-4D97-AF65-F5344CB8AC3E}">
-        <p14:creationId xmlns:p14="http://schemas.microsoft.com/office/powerpoint/2010/main" val="3105864090"/>
+        <p14:creationId xmlns:p14="http://schemas.microsoft.com/office/powerpoint/2010/main" val="701194188"/>
       </p:ext>
     </p:extLst>
   </p:cSld>
